--- a/week_05/week_05.pptx
+++ b/week_05/week_05.pptx
@@ -5,7 +5,7 @@
     <p:sldMasterId id="2147483678" r:id="rId1"/>
   </p:sldMasterIdLst>
   <p:notesMasterIdLst>
-    <p:notesMasterId r:id="rId10"/>
+    <p:notesMasterId r:id="rId14"/>
   </p:notesMasterIdLst>
   <p:sldIdLst>
     <p:sldId id="256" r:id="rId2"/>
@@ -16,6 +16,10 @@
     <p:sldId id="265" r:id="rId7"/>
     <p:sldId id="266" r:id="rId8"/>
     <p:sldId id="264" r:id="rId9"/>
+    <p:sldId id="267" r:id="rId10"/>
+    <p:sldId id="268" r:id="rId11"/>
+    <p:sldId id="269" r:id="rId12"/>
+    <p:sldId id="270" r:id="rId13"/>
   </p:sldIdLst>
   <p:sldSz cx="12192000" cy="6858000"/>
   <p:notesSz cx="6858000" cy="9144000"/>
@@ -204,7 +208,7 @@
           <a:p>
             <a:fld id="{C6714D28-BBBE-ED49-9FEB-31BA308E0742}" type="datetimeFigureOut">
               <a:rPr lang="en-US" smtClean="0"/>
-              <a:t>2/17/17</a:t>
+              <a:t>2/22/17</a:t>
             </a:fld>
             <a:endParaRPr lang="en-US"/>
           </a:p>
@@ -724,7 +728,7 @@
           <a:p>
             <a:fld id="{727127F9-68FE-D245-8045-D6F23D92BDC6}" type="datetime1">
               <a:rPr lang="en-US" smtClean="0"/>
-              <a:t>2/17/17</a:t>
+              <a:t>2/22/17</a:t>
             </a:fld>
             <a:endParaRPr lang="en-US"/>
           </a:p>
@@ -947,7 +951,7 @@
           <a:p>
             <a:fld id="{6BE63D4E-225C-604C-9D2E-50363988759C}" type="datetime1">
               <a:rPr lang="en-US" smtClean="0"/>
-              <a:t>2/17/17</a:t>
+              <a:t>2/22/17</a:t>
             </a:fld>
             <a:endParaRPr lang="en-US"/>
           </a:p>
@@ -1122,7 +1126,7 @@
           <a:p>
             <a:fld id="{6D0165A2-13A8-E84A-8E70-1A8EBEDE96E3}" type="datetime1">
               <a:rPr lang="en-US" smtClean="0"/>
-              <a:t>2/17/17</a:t>
+              <a:t>2/22/17</a:t>
             </a:fld>
             <a:endParaRPr lang="en-US"/>
           </a:p>
@@ -1287,7 +1291,7 @@
           <a:p>
             <a:fld id="{7B0C0654-2A5D-1A4A-AE2B-664EAE17E8E3}" type="datetime1">
               <a:rPr lang="en-US" smtClean="0"/>
-              <a:t>2/17/17</a:t>
+              <a:t>2/22/17</a:t>
             </a:fld>
             <a:endParaRPr lang="en-US"/>
           </a:p>
@@ -1536,7 +1540,7 @@
           <a:p>
             <a:fld id="{01DCD32B-55FC-8947-AF3D-3084D4954BE1}" type="datetime1">
               <a:rPr lang="en-US" smtClean="0"/>
-              <a:t>2/17/17</a:t>
+              <a:t>2/22/17</a:t>
             </a:fld>
             <a:endParaRPr lang="en-US"/>
           </a:p>
@@ -1857,7 +1861,7 @@
           <a:p>
             <a:fld id="{300C03DC-9634-2B4D-97A3-CAD31D13A635}" type="datetime1">
               <a:rPr lang="en-US" smtClean="0"/>
-              <a:t>2/17/17</a:t>
+              <a:t>2/22/17</a:t>
             </a:fld>
             <a:endParaRPr lang="en-US"/>
           </a:p>
@@ -2303,7 +2307,7 @@
           <a:p>
             <a:fld id="{3F3E1625-15EE-3545-B30A-ED56D540F710}" type="datetime1">
               <a:rPr lang="en-US" smtClean="0"/>
-              <a:t>2/17/17</a:t>
+              <a:t>2/22/17</a:t>
             </a:fld>
             <a:endParaRPr lang="en-US"/>
           </a:p>
@@ -2416,7 +2420,7 @@
           <a:p>
             <a:fld id="{26025A05-70D5-3549-B8FA-471FC07DA92A}" type="datetime1">
               <a:rPr lang="en-US" smtClean="0"/>
-              <a:t>2/17/17</a:t>
+              <a:t>2/22/17</a:t>
             </a:fld>
             <a:endParaRPr lang="en-US"/>
           </a:p>
@@ -2506,7 +2510,7 @@
           <a:p>
             <a:fld id="{77BD7926-0612-E444-B2E4-534C882F91C4}" type="datetime1">
               <a:rPr lang="en-US" smtClean="0"/>
-              <a:t>2/17/17</a:t>
+              <a:t>2/22/17</a:t>
             </a:fld>
             <a:endParaRPr lang="en-US"/>
           </a:p>
@@ -2788,7 +2792,7 @@
           <a:p>
             <a:fld id="{1506AD66-06DB-A543-B4A5-8E13300B49BF}" type="datetime1">
               <a:rPr lang="en-US" smtClean="0"/>
-              <a:t>2/17/17</a:t>
+              <a:t>2/22/17</a:t>
             </a:fld>
             <a:endParaRPr lang="en-US"/>
           </a:p>
@@ -3105,7 +3109,7 @@
           <a:p>
             <a:fld id="{FA753788-F4F7-C743-A9FD-9ECE738DFC40}" type="datetime1">
               <a:rPr lang="en-US" smtClean="0"/>
-              <a:t>2/17/17</a:t>
+              <a:t>2/22/17</a:t>
             </a:fld>
             <a:endParaRPr lang="en-US"/>
           </a:p>
@@ -3354,7 +3358,7 @@
           <a:p>
             <a:fld id="{D5FE257A-52E6-1A47-B7BC-974FBAEEE097}" type="datetime1">
               <a:rPr lang="en-US" smtClean="0"/>
-              <a:t>2/17/17</a:t>
+              <a:t>2/22/17</a:t>
             </a:fld>
             <a:endParaRPr lang="en-US"/>
           </a:p>
@@ -3905,7 +3909,11 @@
             </a:r>
             <a:r>
               <a:rPr lang="en-US" dirty="0" smtClean="0"/>
-              <a:t> Unit Tests and Profiling</a:t>
+              <a:t> Unit </a:t>
+            </a:r>
+            <a:r>
+              <a:rPr lang="en-US" dirty="0" smtClean="0"/>
+              <a:t>Tests, Profiling, Widgets, and Layout Attributes</a:t>
             </a:r>
             <a:endParaRPr lang="en-US" dirty="0"/>
           </a:p>
@@ -3956,6 +3964,480 @@
 </p:sld>
 </file>
 
+<file path=ppt/slides/slide10.xml><?xml version="1.0" encoding="utf-8"?>
+<p:sld xmlns:a="http://schemas.openxmlformats.org/drawingml/2006/main" xmlns:r="http://schemas.openxmlformats.org/officeDocument/2006/relationships" xmlns:p="http://schemas.openxmlformats.org/presentationml/2006/main">
+  <p:cSld>
+    <p:spTree>
+      <p:nvGrpSpPr>
+        <p:cNvPr id="1" name=""/>
+        <p:cNvGrpSpPr/>
+        <p:nvPr/>
+      </p:nvGrpSpPr>
+      <p:grpSpPr>
+        <a:xfrm>
+          <a:off x="0" y="0"/>
+          <a:ext cx="0" cy="0"/>
+          <a:chOff x="0" y="0"/>
+          <a:chExt cx="0" cy="0"/>
+        </a:xfrm>
+      </p:grpSpPr>
+      <p:sp>
+        <p:nvSpPr>
+          <p:cNvPr id="5" name="Title 4"/>
+          <p:cNvSpPr>
+            <a:spLocks noGrp="1"/>
+          </p:cNvSpPr>
+          <p:nvPr>
+            <p:ph type="title"/>
+          </p:nvPr>
+        </p:nvSpPr>
+        <p:spPr/>
+        <p:txBody>
+          <a:bodyPr/>
+          <a:lstStyle/>
+          <a:p>
+            <a:r>
+              <a:rPr lang="en-US" dirty="0" smtClean="0"/>
+              <a:t>Styles and Themes</a:t>
+            </a:r>
+            <a:endParaRPr lang="en-US" dirty="0"/>
+          </a:p>
+        </p:txBody>
+      </p:sp>
+      <p:sp>
+        <p:nvSpPr>
+          <p:cNvPr id="6" name="Content Placeholder 5"/>
+          <p:cNvSpPr>
+            <a:spLocks noGrp="1"/>
+          </p:cNvSpPr>
+          <p:nvPr>
+            <p:ph idx="1"/>
+          </p:nvPr>
+        </p:nvSpPr>
+        <p:spPr/>
+        <p:txBody>
+          <a:bodyPr>
+            <a:normAutofit/>
+          </a:bodyPr>
+          <a:lstStyle/>
+          <a:p>
+            <a:r>
+              <a:rPr lang="en-US" sz="3200" dirty="0" smtClean="0"/>
+              <a:t>Styles are resources with attributes defining the appearance and behavior of a widget</a:t>
+            </a:r>
+          </a:p>
+          <a:p>
+            <a:r>
+              <a:rPr lang="en-US" sz="3200" dirty="0" smtClean="0"/>
+              <a:t>Styles can be specified in res/values/</a:t>
+            </a:r>
+            <a:r>
+              <a:rPr lang="en-US" sz="3200" dirty="0" err="1" smtClean="0"/>
+              <a:t>styles.xml</a:t>
+            </a:r>
+            <a:r>
+              <a:rPr lang="en-US" sz="3200" dirty="0" smtClean="0"/>
+              <a:t> and used with the </a:t>
+            </a:r>
+            <a:r>
+              <a:rPr lang="en-US" sz="3200" i="1" dirty="0" smtClean="0"/>
+              <a:t>style </a:t>
+            </a:r>
+            <a:r>
+              <a:rPr lang="en-US" sz="3200" dirty="0" smtClean="0"/>
+              <a:t>attribute of a widget</a:t>
+            </a:r>
+          </a:p>
+          <a:p>
+            <a:r>
+              <a:rPr lang="en-US" sz="3200" dirty="0" smtClean="0"/>
+              <a:t>A theme is a collection of styles and can be applied to an activity or the entire app</a:t>
+            </a:r>
+            <a:endParaRPr lang="en-US" sz="3200" dirty="0" smtClean="0"/>
+          </a:p>
+        </p:txBody>
+      </p:sp>
+      <p:sp>
+        <p:nvSpPr>
+          <p:cNvPr id="4" name="Slide Number Placeholder 3"/>
+          <p:cNvSpPr>
+            <a:spLocks noGrp="1"/>
+          </p:cNvSpPr>
+          <p:nvPr>
+            <p:ph type="sldNum" sz="quarter" idx="12"/>
+          </p:nvPr>
+        </p:nvSpPr>
+        <p:spPr/>
+        <p:txBody>
+          <a:bodyPr>
+            <a:normAutofit lnSpcReduction="10000"/>
+          </a:bodyPr>
+          <a:lstStyle/>
+          <a:p>
+            <a:fld id="{D8285356-06D2-AC49-A652-243B028D338C}" type="slidenum">
+              <a:rPr lang="en-US" smtClean="0"/>
+              <a:t>10</a:t>
+            </a:fld>
+            <a:endParaRPr lang="en-US"/>
+          </a:p>
+        </p:txBody>
+      </p:sp>
+    </p:spTree>
+    <p:extLst>
+      <p:ext uri="{BB962C8B-B14F-4D97-AF65-F5344CB8AC3E}">
+        <p14:creationId xmlns:p14="http://schemas.microsoft.com/office/powerpoint/2010/main" val="539943762"/>
+      </p:ext>
+    </p:extLst>
+  </p:cSld>
+  <p:clrMapOvr>
+    <a:masterClrMapping/>
+  </p:clrMapOvr>
+</p:sld>
+</file>
+
+<file path=ppt/slides/slide11.xml><?xml version="1.0" encoding="utf-8"?>
+<p:sld xmlns:a="http://schemas.openxmlformats.org/drawingml/2006/main" xmlns:r="http://schemas.openxmlformats.org/officeDocument/2006/relationships" xmlns:p="http://schemas.openxmlformats.org/presentationml/2006/main">
+  <p:cSld>
+    <p:spTree>
+      <p:nvGrpSpPr>
+        <p:cNvPr id="1" name=""/>
+        <p:cNvGrpSpPr/>
+        <p:nvPr/>
+      </p:nvGrpSpPr>
+      <p:grpSpPr>
+        <a:xfrm>
+          <a:off x="0" y="0"/>
+          <a:ext cx="0" cy="0"/>
+          <a:chOff x="0" y="0"/>
+          <a:chExt cx="0" cy="0"/>
+        </a:xfrm>
+      </p:grpSpPr>
+      <p:sp>
+        <p:nvSpPr>
+          <p:cNvPr id="2" name="Title 1"/>
+          <p:cNvSpPr>
+            <a:spLocks noGrp="1"/>
+          </p:cNvSpPr>
+          <p:nvPr>
+            <p:ph type="title"/>
+          </p:nvPr>
+        </p:nvSpPr>
+        <p:spPr/>
+        <p:txBody>
+          <a:bodyPr/>
+          <a:lstStyle/>
+          <a:p>
+            <a:r>
+              <a:rPr lang="en-US" dirty="0" smtClean="0"/>
+              <a:t>Layout Parameters</a:t>
+            </a:r>
+            <a:endParaRPr lang="en-US" dirty="0"/>
+          </a:p>
+        </p:txBody>
+      </p:sp>
+      <p:sp>
+        <p:nvSpPr>
+          <p:cNvPr id="3" name="Content Placeholder 2"/>
+          <p:cNvSpPr>
+            <a:spLocks noGrp="1"/>
+          </p:cNvSpPr>
+          <p:nvPr>
+            <p:ph idx="1"/>
+          </p:nvPr>
+        </p:nvSpPr>
+        <p:spPr/>
+        <p:txBody>
+          <a:bodyPr anchor="ctr">
+            <a:normAutofit/>
+          </a:bodyPr>
+          <a:lstStyle/>
+          <a:p>
+            <a:r>
+              <a:rPr lang="en-US" sz="3200" dirty="0" smtClean="0"/>
+              <a:t>Widget attributes with names that start with </a:t>
+            </a:r>
+            <a:r>
+              <a:rPr lang="en-US" sz="3200" i="1" dirty="0" smtClean="0"/>
+              <a:t>layout_</a:t>
+            </a:r>
+            <a:r>
+              <a:rPr lang="en-US" sz="3200" dirty="0" smtClean="0"/>
+              <a:t> are layout parameters, provide information to the widget’s parent about arranging the widget</a:t>
+            </a:r>
+          </a:p>
+          <a:p>
+            <a:r>
+              <a:rPr lang="en-US" sz="3200" dirty="0" smtClean="0"/>
+              <a:t>Non-layout parameters provide configuration information to the widget itself</a:t>
+            </a:r>
+            <a:endParaRPr lang="en-US" sz="3200" dirty="0" smtClean="0"/>
+          </a:p>
+        </p:txBody>
+      </p:sp>
+      <p:sp>
+        <p:nvSpPr>
+          <p:cNvPr id="4" name="Slide Number Placeholder 3"/>
+          <p:cNvSpPr>
+            <a:spLocks noGrp="1"/>
+          </p:cNvSpPr>
+          <p:nvPr>
+            <p:ph type="sldNum" sz="quarter" idx="12"/>
+          </p:nvPr>
+        </p:nvSpPr>
+        <p:spPr/>
+        <p:txBody>
+          <a:bodyPr>
+            <a:normAutofit lnSpcReduction="10000"/>
+          </a:bodyPr>
+          <a:lstStyle/>
+          <a:p>
+            <a:fld id="{D8285356-06D2-AC49-A652-243B028D338C}" type="slidenum">
+              <a:rPr lang="en-US" smtClean="0"/>
+              <a:t>11</a:t>
+            </a:fld>
+            <a:endParaRPr lang="en-US"/>
+          </a:p>
+        </p:txBody>
+      </p:sp>
+    </p:spTree>
+    <p:extLst>
+      <p:ext uri="{BB962C8B-B14F-4D97-AF65-F5344CB8AC3E}">
+        <p14:creationId xmlns:p14="http://schemas.microsoft.com/office/powerpoint/2010/main" val="1716399359"/>
+      </p:ext>
+    </p:extLst>
+  </p:cSld>
+  <p:clrMapOvr>
+    <a:masterClrMapping/>
+  </p:clrMapOvr>
+</p:sld>
+</file>
+
+<file path=ppt/slides/slide12.xml><?xml version="1.0" encoding="utf-8"?>
+<p:sld xmlns:a="http://schemas.openxmlformats.org/drawingml/2006/main" xmlns:r="http://schemas.openxmlformats.org/officeDocument/2006/relationships" xmlns:p="http://schemas.openxmlformats.org/presentationml/2006/main">
+  <p:cSld>
+    <p:spTree>
+      <p:nvGrpSpPr>
+        <p:cNvPr id="1" name=""/>
+        <p:cNvGrpSpPr/>
+        <p:nvPr/>
+      </p:nvGrpSpPr>
+      <p:grpSpPr>
+        <a:xfrm>
+          <a:off x="0" y="0"/>
+          <a:ext cx="0" cy="0"/>
+          <a:chOff x="0" y="0"/>
+          <a:chExt cx="0" cy="0"/>
+        </a:xfrm>
+      </p:grpSpPr>
+      <p:sp>
+        <p:nvSpPr>
+          <p:cNvPr id="2" name="Title 1"/>
+          <p:cNvSpPr>
+            <a:spLocks noGrp="1"/>
+          </p:cNvSpPr>
+          <p:nvPr>
+            <p:ph type="title"/>
+          </p:nvPr>
+        </p:nvSpPr>
+        <p:spPr/>
+        <p:txBody>
+          <a:bodyPr/>
+          <a:lstStyle/>
+          <a:p>
+            <a:r>
+              <a:rPr lang="en-US" dirty="0" smtClean="0"/>
+              <a:t>Screen Pixel Densities</a:t>
+            </a:r>
+            <a:endParaRPr lang="en-US" dirty="0"/>
+          </a:p>
+        </p:txBody>
+      </p:sp>
+      <p:sp>
+        <p:nvSpPr>
+          <p:cNvPr id="3" name="Content Placeholder 2"/>
+          <p:cNvSpPr>
+            <a:spLocks noGrp="1"/>
+          </p:cNvSpPr>
+          <p:nvPr>
+            <p:ph idx="1"/>
+          </p:nvPr>
+        </p:nvSpPr>
+        <p:spPr>
+          <a:xfrm>
+            <a:off x="1261872" y="1828800"/>
+            <a:ext cx="8595360" cy="4937125"/>
+          </a:xfrm>
+        </p:spPr>
+        <p:txBody>
+          <a:bodyPr anchor="ctr">
+            <a:noAutofit/>
+          </a:bodyPr>
+          <a:lstStyle/>
+          <a:p>
+            <a:r>
+              <a:rPr lang="en-US" sz="2400" dirty="0" smtClean="0"/>
+              <a:t>Because Android runs on many devices with differing screen sizes and resolutions, we need a way of specifying sizes that produce similar results across all devices</a:t>
+            </a:r>
+          </a:p>
+          <a:p>
+            <a:r>
+              <a:rPr lang="en-US" sz="2400" i="1" dirty="0" err="1" smtClean="0"/>
+              <a:t>dp</a:t>
+            </a:r>
+            <a:r>
+              <a:rPr lang="en-US" sz="2400" dirty="0" smtClean="0"/>
+              <a:t> </a:t>
+            </a:r>
+            <a:r>
+              <a:rPr lang="mr-IN" sz="2400" dirty="0" smtClean="0"/>
+              <a:t>–</a:t>
+            </a:r>
+            <a:r>
+              <a:rPr lang="en-US" sz="2400" dirty="0" smtClean="0"/>
+              <a:t> density-independent pixel </a:t>
+            </a:r>
+            <a:r>
+              <a:rPr lang="mr-IN" sz="2400" dirty="0" smtClean="0"/>
+              <a:t>–</a:t>
+            </a:r>
+            <a:r>
+              <a:rPr lang="en-US" sz="2400" dirty="0" smtClean="0"/>
+              <a:t> number of actual pixels varies depending on size, often used for margins and padding</a:t>
+            </a:r>
+          </a:p>
+          <a:p>
+            <a:r>
+              <a:rPr lang="en-US" sz="2400" i="1" dirty="0" err="1" smtClean="0"/>
+              <a:t>sp</a:t>
+            </a:r>
+            <a:r>
+              <a:rPr lang="en-US" sz="2400" dirty="0" smtClean="0"/>
+              <a:t> </a:t>
+            </a:r>
+            <a:r>
+              <a:rPr lang="mr-IN" sz="2400" dirty="0" smtClean="0"/>
+              <a:t>–</a:t>
+            </a:r>
+            <a:r>
+              <a:rPr lang="en-US" sz="2400" dirty="0" smtClean="0"/>
+              <a:t> scale-independent pixel </a:t>
+            </a:r>
+            <a:r>
+              <a:rPr lang="mr-IN" sz="2400" dirty="0" smtClean="0"/>
+              <a:t>–</a:t>
+            </a:r>
+            <a:r>
+              <a:rPr lang="en-US" sz="2400" dirty="0" smtClean="0"/>
+              <a:t> density independent but take font size preferences into account, used with text</a:t>
+            </a:r>
+          </a:p>
+          <a:p>
+            <a:r>
+              <a:rPr lang="en-US" sz="2400" i="1" dirty="0" err="1" smtClean="0"/>
+              <a:t>pt</a:t>
+            </a:r>
+            <a:r>
+              <a:rPr lang="en-US" sz="2400" dirty="0" smtClean="0"/>
+              <a:t>, </a:t>
+            </a:r>
+            <a:r>
+              <a:rPr lang="en-US" sz="2400" i="1" dirty="0" smtClean="0"/>
+              <a:t>mm</a:t>
+            </a:r>
+            <a:r>
+              <a:rPr lang="en-US" sz="2400" dirty="0" smtClean="0"/>
+              <a:t>, </a:t>
+            </a:r>
+            <a:r>
+              <a:rPr lang="en-US" sz="2400" i="1" dirty="0" smtClean="0"/>
+              <a:t>in</a:t>
+            </a:r>
+            <a:r>
+              <a:rPr lang="en-US" sz="2400" dirty="0" smtClean="0"/>
+              <a:t> </a:t>
+            </a:r>
+            <a:r>
+              <a:rPr lang="mr-IN" sz="2400" dirty="0" smtClean="0"/>
+              <a:t>–</a:t>
+            </a:r>
+            <a:r>
+              <a:rPr lang="en-US" sz="2400" dirty="0" smtClean="0"/>
+              <a:t> scaled units representing points (1/72</a:t>
+            </a:r>
+            <a:r>
+              <a:rPr lang="en-US" sz="2400" baseline="30000" dirty="0" smtClean="0"/>
+              <a:t>nd</a:t>
+            </a:r>
+            <a:r>
+              <a:rPr lang="en-US" sz="2400" dirty="0" smtClean="0"/>
+              <a:t> of an inch), millimeters, and inches </a:t>
+            </a:r>
+            <a:r>
+              <a:rPr lang="mr-IN" sz="2400" dirty="0" smtClean="0"/>
+              <a:t>–</a:t>
+            </a:r>
+            <a:r>
+              <a:rPr lang="en-US" sz="2400" dirty="0" smtClean="0"/>
+              <a:t> most devices are not configured to display these properly so </a:t>
+            </a:r>
+            <a:r>
+              <a:rPr lang="en-US" sz="2400" i="1" dirty="0" err="1" smtClean="0"/>
+              <a:t>dp</a:t>
+            </a:r>
+            <a:r>
+              <a:rPr lang="en-US" sz="2400" dirty="0" smtClean="0"/>
+              <a:t> or </a:t>
+            </a:r>
+            <a:r>
+              <a:rPr lang="en-US" sz="2400" i="1" dirty="0" err="1" smtClean="0"/>
+              <a:t>sp</a:t>
+            </a:r>
+            <a:r>
+              <a:rPr lang="en-US" sz="2400" dirty="0" smtClean="0"/>
+              <a:t> should be used</a:t>
+            </a:r>
+            <a:endParaRPr lang="en-US" sz="2400" dirty="0" smtClean="0"/>
+          </a:p>
+        </p:txBody>
+      </p:sp>
+      <p:sp>
+        <p:nvSpPr>
+          <p:cNvPr id="4" name="Slide Number Placeholder 3"/>
+          <p:cNvSpPr>
+            <a:spLocks noGrp="1"/>
+          </p:cNvSpPr>
+          <p:nvPr>
+            <p:ph type="sldNum" sz="quarter" idx="12"/>
+          </p:nvPr>
+        </p:nvSpPr>
+        <p:spPr/>
+        <p:txBody>
+          <a:bodyPr>
+            <a:normAutofit lnSpcReduction="10000"/>
+          </a:bodyPr>
+          <a:lstStyle/>
+          <a:p>
+            <a:fld id="{D8285356-06D2-AC49-A652-243B028D338C}" type="slidenum">
+              <a:rPr lang="en-US" smtClean="0"/>
+              <a:t>12</a:t>
+            </a:fld>
+            <a:endParaRPr lang="en-US"/>
+          </a:p>
+        </p:txBody>
+      </p:sp>
+    </p:spTree>
+    <p:extLst>
+      <p:ext uri="{BB962C8B-B14F-4D97-AF65-F5344CB8AC3E}">
+        <p14:creationId xmlns:p14="http://schemas.microsoft.com/office/powerpoint/2010/main" val="376196562"/>
+      </p:ext>
+    </p:extLst>
+  </p:cSld>
+  <p:clrMapOvr>
+    <a:masterClrMapping/>
+  </p:clrMapOvr>
+</p:sld>
+</file>
+
 <file path=ppt/slides/slide2.xml><?xml version="1.0" encoding="utf-8"?>
 <p:sld xmlns:a="http://schemas.openxmlformats.org/drawingml/2006/main" xmlns:r="http://schemas.openxmlformats.org/officeDocument/2006/relationships" xmlns:p="http://schemas.openxmlformats.org/presentationml/2006/main">
   <p:cSld>
@@ -4055,35 +4537,19 @@
               <a:rPr lang="en-US" sz="2400" dirty="0">
                 <a:hlinkClick r:id="rId3"/>
               </a:rPr>
-              <a:t>://</a:t>
-            </a:r>
-            <a:r>
-              <a:rPr lang="en-US" sz="2400" dirty="0" err="1">
-                <a:hlinkClick r:id="rId3"/>
-              </a:rPr>
-              <a:t>developer.android.com</a:t>
-            </a:r>
-            <a:r>
-              <a:rPr lang="en-US" sz="2400" dirty="0">
-                <a:hlinkClick r:id="rId3"/>
-              </a:rPr>
-              <a:t>/tools/performance/</a:t>
-            </a:r>
-            <a:r>
-              <a:rPr lang="en-US" sz="2400" dirty="0" err="1">
-                <a:hlinkClick r:id="rId3"/>
-              </a:rPr>
-              <a:t>index.html</a:t>
-            </a:r>
-            <a:r>
-              <a:rPr lang="en-US" sz="2400" dirty="0">
-                <a:hlinkClick r:id="rId3"/>
-              </a:rPr>
-              <a:t> </a:t>
-            </a:r>
-            <a:endParaRPr lang="en-US" sz="2400" dirty="0">
-              <a:effectLst/>
-            </a:endParaRPr>
+              <a:t>://developer.android.com/tools/performance/index.html </a:t>
+            </a:r>
+            <a:endParaRPr lang="en-US" sz="2400" dirty="0" smtClean="0"/>
+          </a:p>
+          <a:p>
+            <a:r>
+              <a:rPr lang="en-US" sz="2400" i="1" dirty="0"/>
+              <a:t>Android Programming</a:t>
+            </a:r>
+            <a:r>
+              <a:rPr lang="en-US" sz="2400" dirty="0"/>
+              <a:t>, 149-166 </a:t>
+            </a:r>
           </a:p>
         </p:txBody>
       </p:sp>
@@ -4444,11 +4910,7 @@
             </a:r>
             <a:r>
               <a:rPr lang="en-US" sz="3200" dirty="0" smtClean="0"/>
-              <a:t> Java mocking </a:t>
-            </a:r>
-            <a:r>
-              <a:rPr lang="en-US" sz="3200" dirty="0" smtClean="0"/>
-              <a:t>framework</a:t>
+              <a:t> Java mocking framework</a:t>
             </a:r>
           </a:p>
           <a:p>
@@ -4468,7 +4930,6 @@
               <a:rPr lang="en-US" sz="3200" dirty="0" smtClean="0"/>
               <a:t> Java Mocking framework with additional support for static methods</a:t>
             </a:r>
-            <a:endParaRPr lang="en-US" sz="3200" dirty="0" smtClean="0"/>
           </a:p>
           <a:p>
             <a:r>
@@ -4505,11 +4966,7 @@
             </a:r>
             <a:r>
               <a:rPr lang="en-US" sz="3200" dirty="0" smtClean="0"/>
-              <a:t> </a:t>
-            </a:r>
-            <a:r>
-              <a:rPr lang="en-US" sz="3200" dirty="0" smtClean="0"/>
-              <a:t>build file</a:t>
+              <a:t> build file</a:t>
             </a:r>
           </a:p>
           <a:p>
@@ -4909,6 +5366,103 @@
     <p:extLst>
       <p:ext uri="{BB962C8B-B14F-4D97-AF65-F5344CB8AC3E}">
         <p14:creationId xmlns:p14="http://schemas.microsoft.com/office/powerpoint/2010/main" val="730405372"/>
+      </p:ext>
+    </p:extLst>
+  </p:cSld>
+  <p:clrMapOvr>
+    <a:masterClrMapping/>
+  </p:clrMapOvr>
+</p:sld>
+</file>
+
+<file path=ppt/slides/slide9.xml><?xml version="1.0" encoding="utf-8"?>
+<p:sld xmlns:a="http://schemas.openxmlformats.org/drawingml/2006/main" xmlns:r="http://schemas.openxmlformats.org/officeDocument/2006/relationships" xmlns:p="http://schemas.openxmlformats.org/presentationml/2006/main">
+  <p:cSld>
+    <p:spTree>
+      <p:nvGrpSpPr>
+        <p:cNvPr id="1" name=""/>
+        <p:cNvGrpSpPr/>
+        <p:nvPr/>
+      </p:nvGrpSpPr>
+      <p:grpSpPr>
+        <a:xfrm>
+          <a:off x="0" y="0"/>
+          <a:ext cx="0" cy="0"/>
+          <a:chOff x="0" y="0"/>
+          <a:chExt cx="0" cy="0"/>
+        </a:xfrm>
+      </p:grpSpPr>
+      <p:sp>
+        <p:nvSpPr>
+          <p:cNvPr id="5" name="Title 4"/>
+          <p:cNvSpPr>
+            <a:spLocks noGrp="1"/>
+          </p:cNvSpPr>
+          <p:nvPr>
+            <p:ph type="title"/>
+          </p:nvPr>
+        </p:nvSpPr>
+        <p:spPr/>
+        <p:txBody>
+          <a:bodyPr/>
+          <a:lstStyle/>
+          <a:p>
+            <a:r>
+              <a:rPr lang="en-US" dirty="0" smtClean="0"/>
+              <a:t>Layout Attributes</a:t>
+            </a:r>
+            <a:endParaRPr lang="en-US" dirty="0"/>
+          </a:p>
+        </p:txBody>
+      </p:sp>
+      <p:sp>
+        <p:nvSpPr>
+          <p:cNvPr id="6" name="Text Placeholder 5"/>
+          <p:cNvSpPr>
+            <a:spLocks noGrp="1"/>
+          </p:cNvSpPr>
+          <p:nvPr>
+            <p:ph type="body" idx="1"/>
+          </p:nvPr>
+        </p:nvSpPr>
+        <p:spPr/>
+        <p:txBody>
+          <a:bodyPr/>
+          <a:lstStyle/>
+          <a:p>
+            <a:endParaRPr lang="en-US" dirty="0"/>
+          </a:p>
+        </p:txBody>
+      </p:sp>
+      <p:sp>
+        <p:nvSpPr>
+          <p:cNvPr id="4" name="Slide Number Placeholder 3"/>
+          <p:cNvSpPr>
+            <a:spLocks noGrp="1"/>
+          </p:cNvSpPr>
+          <p:nvPr>
+            <p:ph type="sldNum" sz="quarter" idx="12"/>
+          </p:nvPr>
+        </p:nvSpPr>
+        <p:spPr/>
+        <p:txBody>
+          <a:bodyPr>
+            <a:normAutofit lnSpcReduction="10000"/>
+          </a:bodyPr>
+          <a:lstStyle/>
+          <a:p>
+            <a:fld id="{D8285356-06D2-AC49-A652-243B028D338C}" type="slidenum">
+              <a:rPr lang="en-US" smtClean="0"/>
+              <a:t>9</a:t>
+            </a:fld>
+            <a:endParaRPr lang="en-US"/>
+          </a:p>
+        </p:txBody>
+      </p:sp>
+    </p:spTree>
+    <p:extLst>
+      <p:ext uri="{BB962C8B-B14F-4D97-AF65-F5344CB8AC3E}">
+        <p14:creationId xmlns:p14="http://schemas.microsoft.com/office/powerpoint/2010/main" val="947981265"/>
       </p:ext>
     </p:extLst>
   </p:cSld>
